--- a/Podio.pptx
+++ b/Podio.pptx
@@ -121,6 +121,11 @@
       </a:defRPr>
     </a:lvl9pPr>
   </p:defaultTextStyle>
+  <p:extLst>
+    <p:ext uri="{EFAFB233-063F-42B5-8137-9DF3F51BA10A}">
+      <p15:sldGuideLst xmlns:p15="http://schemas.microsoft.com/office/powerpoint/2012/main"/>
+    </p:ext>
+  </p:extLst>
 </p:presentation>
 </file>
 
@@ -219,7 +224,7 @@
           <a:effectLst/>
           <a:extLst>
             <a:ext uri="{91240B29-F687-4f45-9708-019B960494DF}">
-              <a14:hiddenLine xmlns:a14="http://schemas.microsoft.com/office/drawing/2010/main" xmlns="" w="9525">
+              <a14:hiddenLine xmlns="" xmlns:a14="http://schemas.microsoft.com/office/drawing/2010/main" w="9525">
                 <a:solidFill>
                   <a:srgbClr val="000000"/>
                 </a:solidFill>
@@ -270,7 +275,7 @@
           </a:lstStyle>
           <a:p>
             <a:r>
-              <a:rPr lang="pt-BR" smtClean="0"/>
+              <a:rPr lang="pt-BR"/>
               <a:t>Clique para editar o título mestre</a:t>
             </a:r>
             <a:endParaRPr lang="en-US" dirty="0"/>
@@ -387,7 +392,7 @@
           </a:lstStyle>
           <a:p>
             <a:r>
-              <a:rPr lang="pt-BR" smtClean="0"/>
+              <a:rPr lang="pt-BR"/>
               <a:t>Clique para editar o estilo do subtítulo mestre</a:t>
             </a:r>
             <a:endParaRPr lang="en-US" dirty="0"/>
@@ -411,7 +416,7 @@
           <a:p>
             <a:fld id="{4AAD347D-5ACD-4C99-B74B-A9C85AD731AF}" type="datetimeFigureOut">
               <a:rPr lang="en-US" smtClean="0"/>
-              <a:t>10/29/2019</a:t>
+              <a:t>11/5/2019</a:t>
             </a:fld>
             <a:endParaRPr lang="en-US" dirty="0"/>
           </a:p>
@@ -516,7 +521,7 @@
           </a:lstStyle>
           <a:p>
             <a:r>
-              <a:rPr lang="pt-BR" smtClean="0"/>
+              <a:rPr lang="pt-BR"/>
               <a:t>Clique para editar o título mestre</a:t>
             </a:r>
             <a:endParaRPr lang="en-US" dirty="0"/>
@@ -638,7 +643,7 @@
           </a:lstStyle>
           <a:p>
             <a:r>
-              <a:rPr lang="pt-BR" smtClean="0"/>
+              <a:rPr lang="pt-BR"/>
               <a:t>Clique no ícone para adicionar uma imagem</a:t>
             </a:r>
             <a:endParaRPr lang="en-US" dirty="0"/>
@@ -706,7 +711,7 @@
           <a:p>
             <a:pPr lvl="0"/>
             <a:r>
-              <a:rPr lang="pt-BR" smtClean="0"/>
+              <a:rPr lang="pt-BR"/>
               <a:t>Clique para editar o texto mestre</a:t>
             </a:r>
           </a:p>
@@ -729,7 +734,7 @@
           <a:p>
             <a:fld id="{4509A250-FF31-4206-8172-F9D3106AACB1}" type="datetimeFigureOut">
               <a:rPr lang="en-US" smtClean="0"/>
-              <a:t>10/29/2019</a:t>
+              <a:t>11/5/2019</a:t>
             </a:fld>
             <a:endParaRPr lang="en-US" dirty="0"/>
           </a:p>
@@ -1040,7 +1045,7 @@
           </a:lstStyle>
           <a:p>
             <a:r>
-              <a:rPr lang="pt-BR" smtClean="0"/>
+              <a:rPr lang="pt-BR"/>
               <a:t>Clique para editar o título mestre</a:t>
             </a:r>
             <a:endParaRPr lang="en-US" dirty="0"/>
@@ -1160,7 +1165,7 @@
           <a:p>
             <a:pPr lvl="0"/>
             <a:r>
-              <a:rPr lang="pt-BR" smtClean="0"/>
+              <a:rPr lang="pt-BR"/>
               <a:t>Clique para editar o texto mestre</a:t>
             </a:r>
           </a:p>
@@ -1194,7 +1199,7 @@
           <a:p>
             <a:pPr lvl="0"/>
             <a:r>
-              <a:rPr lang="pt-BR" smtClean="0"/>
+              <a:rPr lang="pt-BR"/>
               <a:t>Clique para editar o texto mestre</a:t>
             </a:r>
           </a:p>
@@ -1217,7 +1222,7 @@
           <a:p>
             <a:fld id="{4509A250-FF31-4206-8172-F9D3106AACB1}" type="datetimeFigureOut">
               <a:rPr lang="en-US" smtClean="0"/>
-              <a:t>10/29/2019</a:t>
+              <a:t>11/5/2019</a:t>
             </a:fld>
             <a:endParaRPr lang="en-US" dirty="0"/>
           </a:p>
@@ -1528,7 +1533,7 @@
           </a:lstStyle>
           <a:p>
             <a:r>
-              <a:rPr lang="pt-BR" smtClean="0"/>
+              <a:rPr lang="pt-BR"/>
               <a:t>Clique para editar o título mestre</a:t>
             </a:r>
             <a:endParaRPr lang="en-US" dirty="0"/>
@@ -1563,7 +1568,7 @@
           <a:p>
             <a:pPr lvl="0"/>
             <a:r>
-              <a:rPr lang="pt-BR" smtClean="0"/>
+              <a:rPr lang="pt-BR"/>
               <a:t>Clique para editar o texto mestre</a:t>
             </a:r>
           </a:p>
@@ -1586,7 +1591,7 @@
           <a:p>
             <a:fld id="{4509A250-FF31-4206-8172-F9D3106AACB1}" type="datetimeFigureOut">
               <a:rPr lang="en-US" smtClean="0"/>
-              <a:t>10/29/2019</a:t>
+              <a:t>11/5/2019</a:t>
             </a:fld>
             <a:endParaRPr lang="en-US" dirty="0"/>
           </a:p>
@@ -1741,7 +1746,7 @@
           <a:ln/>
           <a:extLst>
             <a:ext uri="{91240B29-F687-4f45-9708-019B960494DF}">
-              <a14:hiddenLine xmlns:a14="http://schemas.microsoft.com/office/drawing/2010/main" xmlns="" w="9525">
+              <a14:hiddenLine xmlns="" xmlns:a14="http://schemas.microsoft.com/office/drawing/2010/main" w="9525">
                 <a:solidFill>
                   <a:srgbClr val="000000"/>
                 </a:solidFill>
@@ -1783,7 +1788,7 @@
           <a:lstStyle/>
           <a:p>
             <a:r>
-              <a:rPr lang="pt-BR" smtClean="0"/>
+              <a:rPr lang="pt-BR"/>
               <a:t>Clique para editar o título mestre</a:t>
             </a:r>
             <a:endParaRPr lang="en-US" dirty="0"/>
@@ -1807,35 +1812,35 @@
           <a:p>
             <a:pPr lvl="0"/>
             <a:r>
-              <a:rPr lang="pt-BR" smtClean="0"/>
+              <a:rPr lang="pt-BR"/>
               <a:t>Clique para editar o texto mestre</a:t>
             </a:r>
           </a:p>
           <a:p>
             <a:pPr lvl="1"/>
             <a:r>
-              <a:rPr lang="pt-BR" smtClean="0"/>
+              <a:rPr lang="pt-BR"/>
               <a:t>Segundo nível</a:t>
             </a:r>
           </a:p>
           <a:p>
             <a:pPr lvl="2"/>
             <a:r>
-              <a:rPr lang="pt-BR" smtClean="0"/>
+              <a:rPr lang="pt-BR"/>
               <a:t>Terceiro nível</a:t>
             </a:r>
           </a:p>
           <a:p>
             <a:pPr lvl="3"/>
             <a:r>
-              <a:rPr lang="pt-BR" smtClean="0"/>
+              <a:rPr lang="pt-BR"/>
               <a:t>Quarto nível</a:t>
             </a:r>
           </a:p>
           <a:p>
             <a:pPr lvl="4"/>
             <a:r>
-              <a:rPr lang="pt-BR" smtClean="0"/>
+              <a:rPr lang="pt-BR"/>
               <a:t>Quinto nível</a:t>
             </a:r>
             <a:endParaRPr lang="en-US" dirty="0"/>
@@ -1859,7 +1864,7 @@
           <a:p>
             <a:fld id="{4509A250-FF31-4206-8172-F9D3106AACB1}" type="datetimeFigureOut">
               <a:rPr lang="en-US" smtClean="0"/>
-              <a:t>10/29/2019</a:t>
+              <a:t>11/5/2019</a:t>
             </a:fld>
             <a:endParaRPr lang="en-US" dirty="0"/>
           </a:p>
@@ -2016,7 +2021,7 @@
           <a:ln/>
           <a:extLst>
             <a:ext uri="{91240B29-F687-4f45-9708-019B960494DF}">
-              <a14:hiddenLine xmlns:a14="http://schemas.microsoft.com/office/drawing/2010/main" xmlns="" w="9525">
+              <a14:hiddenLine xmlns="" xmlns:a14="http://schemas.microsoft.com/office/drawing/2010/main" w="9525">
                 <a:solidFill>
                   <a:srgbClr val="000000"/>
                 </a:solidFill>
@@ -2063,7 +2068,7 @@
           <a:lstStyle/>
           <a:p>
             <a:r>
-              <a:rPr lang="pt-BR" smtClean="0"/>
+              <a:rPr lang="pt-BR"/>
               <a:t>Clique para editar o título mestre</a:t>
             </a:r>
             <a:endParaRPr lang="en-US" dirty="0"/>
@@ -2092,35 +2097,35 @@
           <a:p>
             <a:pPr lvl="0"/>
             <a:r>
-              <a:rPr lang="pt-BR" smtClean="0"/>
+              <a:rPr lang="pt-BR"/>
               <a:t>Clique para editar o texto mestre</a:t>
             </a:r>
           </a:p>
           <a:p>
             <a:pPr lvl="1"/>
             <a:r>
-              <a:rPr lang="pt-BR" smtClean="0"/>
+              <a:rPr lang="pt-BR"/>
               <a:t>Segundo nível</a:t>
             </a:r>
           </a:p>
           <a:p>
             <a:pPr lvl="2"/>
             <a:r>
-              <a:rPr lang="pt-BR" smtClean="0"/>
+              <a:rPr lang="pt-BR"/>
               <a:t>Terceiro nível</a:t>
             </a:r>
           </a:p>
           <a:p>
             <a:pPr lvl="3"/>
             <a:r>
-              <a:rPr lang="pt-BR" smtClean="0"/>
+              <a:rPr lang="pt-BR"/>
               <a:t>Quarto nível</a:t>
             </a:r>
           </a:p>
           <a:p>
             <a:pPr lvl="4"/>
             <a:r>
-              <a:rPr lang="pt-BR" smtClean="0"/>
+              <a:rPr lang="pt-BR"/>
               <a:t>Quinto nível</a:t>
             </a:r>
             <a:endParaRPr lang="en-US" dirty="0"/>
@@ -2144,7 +2149,7 @@
           <a:p>
             <a:fld id="{4509A250-FF31-4206-8172-F9D3106AACB1}" type="datetimeFigureOut">
               <a:rPr lang="en-US" smtClean="0"/>
-              <a:t>10/29/2019</a:t>
+              <a:t>11/5/2019</a:t>
             </a:fld>
             <a:endParaRPr lang="en-US" dirty="0"/>
           </a:p>
@@ -2299,7 +2304,7 @@
           <a:ln/>
           <a:extLst>
             <a:ext uri="{91240B29-F687-4f45-9708-019B960494DF}">
-              <a14:hiddenLine xmlns:a14="http://schemas.microsoft.com/office/drawing/2010/main" xmlns="" w="9525">
+              <a14:hiddenLine xmlns="" xmlns:a14="http://schemas.microsoft.com/office/drawing/2010/main" w="9525">
                 <a:solidFill>
                   <a:srgbClr val="000000"/>
                 </a:solidFill>
@@ -2346,7 +2351,7 @@
           <a:lstStyle/>
           <a:p>
             <a:r>
-              <a:rPr lang="pt-BR" smtClean="0"/>
+              <a:rPr lang="pt-BR"/>
               <a:t>Clique para editar o título mestre</a:t>
             </a:r>
             <a:endParaRPr lang="en-US" dirty="0"/>
@@ -2375,35 +2380,35 @@
           <a:p>
             <a:pPr lvl="0"/>
             <a:r>
-              <a:rPr lang="pt-BR" smtClean="0"/>
+              <a:rPr lang="pt-BR"/>
               <a:t>Clique para editar o texto mestre</a:t>
             </a:r>
           </a:p>
           <a:p>
             <a:pPr lvl="1"/>
             <a:r>
-              <a:rPr lang="pt-BR" smtClean="0"/>
+              <a:rPr lang="pt-BR"/>
               <a:t>Segundo nível</a:t>
             </a:r>
           </a:p>
           <a:p>
             <a:pPr lvl="2"/>
             <a:r>
-              <a:rPr lang="pt-BR" smtClean="0"/>
+              <a:rPr lang="pt-BR"/>
               <a:t>Terceiro nível</a:t>
             </a:r>
           </a:p>
           <a:p>
             <a:pPr lvl="3"/>
             <a:r>
-              <a:rPr lang="pt-BR" smtClean="0"/>
+              <a:rPr lang="pt-BR"/>
               <a:t>Quarto nível</a:t>
             </a:r>
           </a:p>
           <a:p>
             <a:pPr lvl="4"/>
             <a:r>
-              <a:rPr lang="pt-BR" smtClean="0"/>
+              <a:rPr lang="pt-BR"/>
               <a:t>Quinto nível</a:t>
             </a:r>
             <a:endParaRPr lang="en-US" dirty="0"/>
@@ -2427,7 +2432,7 @@
           <a:p>
             <a:fld id="{4509A250-FF31-4206-8172-F9D3106AACB1}" type="datetimeFigureOut">
               <a:rPr lang="en-US" smtClean="0"/>
-              <a:t>10/29/2019</a:t>
+              <a:t>11/5/2019</a:t>
             </a:fld>
             <a:endParaRPr lang="en-US" dirty="0"/>
           </a:p>
@@ -2627,7 +2632,7 @@
           </a:lstStyle>
           <a:p>
             <a:r>
-              <a:rPr lang="pt-BR" smtClean="0"/>
+              <a:rPr lang="pt-BR"/>
               <a:t>Clique para editar o título mestre</a:t>
             </a:r>
             <a:endParaRPr lang="en-US" dirty="0"/>
@@ -2747,7 +2752,7 @@
           <a:p>
             <a:pPr lvl="0"/>
             <a:r>
-              <a:rPr lang="pt-BR" smtClean="0"/>
+              <a:rPr lang="pt-BR"/>
               <a:t>Clique para editar o texto mestre</a:t>
             </a:r>
           </a:p>
@@ -2770,7 +2775,7 @@
           <a:p>
             <a:fld id="{4509A250-FF31-4206-8172-F9D3106AACB1}" type="datetimeFigureOut">
               <a:rPr lang="en-US" smtClean="0"/>
-              <a:t>10/29/2019</a:t>
+              <a:t>11/5/2019</a:t>
             </a:fld>
             <a:endParaRPr lang="en-US" dirty="0"/>
           </a:p>
@@ -2925,7 +2930,7 @@
           <a:ln/>
           <a:extLst>
             <a:ext uri="{91240B29-F687-4f45-9708-019B960494DF}">
-              <a14:hiddenLine xmlns:a14="http://schemas.microsoft.com/office/drawing/2010/main" xmlns="" w="9525">
+              <a14:hiddenLine xmlns="" xmlns:a14="http://schemas.microsoft.com/office/drawing/2010/main" w="9525">
                 <a:solidFill>
                   <a:srgbClr val="000000"/>
                 </a:solidFill>
@@ -2967,7 +2972,7 @@
           <a:lstStyle/>
           <a:p>
             <a:r>
-              <a:rPr lang="pt-BR" smtClean="0"/>
+              <a:rPr lang="pt-BR"/>
               <a:t>Clique para editar o título mestre</a:t>
             </a:r>
             <a:endParaRPr lang="en-US" dirty="0"/>
@@ -2998,35 +3003,35 @@
           <a:p>
             <a:pPr lvl="0"/>
             <a:r>
-              <a:rPr lang="pt-BR" smtClean="0"/>
+              <a:rPr lang="pt-BR"/>
               <a:t>Clique para editar o texto mestre</a:t>
             </a:r>
           </a:p>
           <a:p>
             <a:pPr lvl="1"/>
             <a:r>
-              <a:rPr lang="pt-BR" smtClean="0"/>
+              <a:rPr lang="pt-BR"/>
               <a:t>Segundo nível</a:t>
             </a:r>
           </a:p>
           <a:p>
             <a:pPr lvl="2"/>
             <a:r>
-              <a:rPr lang="pt-BR" smtClean="0"/>
+              <a:rPr lang="pt-BR"/>
               <a:t>Terceiro nível</a:t>
             </a:r>
           </a:p>
           <a:p>
             <a:pPr lvl="3"/>
             <a:r>
-              <a:rPr lang="pt-BR" smtClean="0"/>
+              <a:rPr lang="pt-BR"/>
               <a:t>Quarto nível</a:t>
             </a:r>
           </a:p>
           <a:p>
             <a:pPr lvl="4"/>
             <a:r>
-              <a:rPr lang="pt-BR" smtClean="0"/>
+              <a:rPr lang="pt-BR"/>
               <a:t>Quinto nível</a:t>
             </a:r>
             <a:endParaRPr lang="en-US" dirty="0"/>
@@ -3057,35 +3062,35 @@
           <a:p>
             <a:pPr lvl="0"/>
             <a:r>
-              <a:rPr lang="pt-BR" smtClean="0"/>
+              <a:rPr lang="pt-BR"/>
               <a:t>Clique para editar o texto mestre</a:t>
             </a:r>
           </a:p>
           <a:p>
             <a:pPr lvl="1"/>
             <a:r>
-              <a:rPr lang="pt-BR" smtClean="0"/>
+              <a:rPr lang="pt-BR"/>
               <a:t>Segundo nível</a:t>
             </a:r>
           </a:p>
           <a:p>
             <a:pPr lvl="2"/>
             <a:r>
-              <a:rPr lang="pt-BR" smtClean="0"/>
+              <a:rPr lang="pt-BR"/>
               <a:t>Terceiro nível</a:t>
             </a:r>
           </a:p>
           <a:p>
             <a:pPr lvl="3"/>
             <a:r>
-              <a:rPr lang="pt-BR" smtClean="0"/>
+              <a:rPr lang="pt-BR"/>
               <a:t>Quarto nível</a:t>
             </a:r>
           </a:p>
           <a:p>
             <a:pPr lvl="4"/>
             <a:r>
-              <a:rPr lang="pt-BR" smtClean="0"/>
+              <a:rPr lang="pt-BR"/>
               <a:t>Quinto nível</a:t>
             </a:r>
             <a:endParaRPr lang="en-US" dirty="0"/>
@@ -3109,7 +3114,7 @@
           <a:p>
             <a:fld id="{4509A250-FF31-4206-8172-F9D3106AACB1}" type="datetimeFigureOut">
               <a:rPr lang="en-US" smtClean="0"/>
-              <a:t>10/29/2019</a:t>
+              <a:t>11/5/2019</a:t>
             </a:fld>
             <a:endParaRPr lang="en-US" dirty="0"/>
           </a:p>
@@ -3264,7 +3269,7 @@
           <a:ln/>
           <a:extLst>
             <a:ext uri="{91240B29-F687-4f45-9708-019B960494DF}">
-              <a14:hiddenLine xmlns:a14="http://schemas.microsoft.com/office/drawing/2010/main" xmlns="" w="9525">
+              <a14:hiddenLine xmlns="" xmlns:a14="http://schemas.microsoft.com/office/drawing/2010/main" w="9525">
                 <a:solidFill>
                   <a:srgbClr val="000000"/>
                 </a:solidFill>
@@ -3310,7 +3315,7 @@
           </a:lstStyle>
           <a:p>
             <a:r>
-              <a:rPr lang="pt-BR" smtClean="0"/>
+              <a:rPr lang="pt-BR"/>
               <a:t>Clique para editar o título mestre</a:t>
             </a:r>
             <a:endParaRPr lang="en-US" dirty="0"/>
@@ -3378,7 +3383,7 @@
           <a:p>
             <a:pPr lvl="0"/>
             <a:r>
-              <a:rPr lang="pt-BR" smtClean="0"/>
+              <a:rPr lang="pt-BR"/>
               <a:t>Clique para editar o texto mestre</a:t>
             </a:r>
           </a:p>
@@ -3408,35 +3413,35 @@
           <a:p>
             <a:pPr lvl="0"/>
             <a:r>
-              <a:rPr lang="pt-BR" smtClean="0"/>
+              <a:rPr lang="pt-BR"/>
               <a:t>Clique para editar o texto mestre</a:t>
             </a:r>
           </a:p>
           <a:p>
             <a:pPr lvl="1"/>
             <a:r>
-              <a:rPr lang="pt-BR" smtClean="0"/>
+              <a:rPr lang="pt-BR"/>
               <a:t>Segundo nível</a:t>
             </a:r>
           </a:p>
           <a:p>
             <a:pPr lvl="2"/>
             <a:r>
-              <a:rPr lang="pt-BR" smtClean="0"/>
+              <a:rPr lang="pt-BR"/>
               <a:t>Terceiro nível</a:t>
             </a:r>
           </a:p>
           <a:p>
             <a:pPr lvl="3"/>
             <a:r>
-              <a:rPr lang="pt-BR" smtClean="0"/>
+              <a:rPr lang="pt-BR"/>
               <a:t>Quarto nível</a:t>
             </a:r>
           </a:p>
           <a:p>
             <a:pPr lvl="4"/>
             <a:r>
-              <a:rPr lang="pt-BR" smtClean="0"/>
+              <a:rPr lang="pt-BR"/>
               <a:t>Quinto nível</a:t>
             </a:r>
             <a:endParaRPr lang="en-US" dirty="0"/>
@@ -3504,7 +3509,7 @@
           <a:p>
             <a:pPr lvl="0"/>
             <a:r>
-              <a:rPr lang="pt-BR" smtClean="0"/>
+              <a:rPr lang="pt-BR"/>
               <a:t>Clique para editar o texto mestre</a:t>
             </a:r>
           </a:p>
@@ -3534,35 +3539,35 @@
           <a:p>
             <a:pPr lvl="0"/>
             <a:r>
-              <a:rPr lang="pt-BR" smtClean="0"/>
+              <a:rPr lang="pt-BR"/>
               <a:t>Clique para editar o texto mestre</a:t>
             </a:r>
           </a:p>
           <a:p>
             <a:pPr lvl="1"/>
             <a:r>
-              <a:rPr lang="pt-BR" smtClean="0"/>
+              <a:rPr lang="pt-BR"/>
               <a:t>Segundo nível</a:t>
             </a:r>
           </a:p>
           <a:p>
             <a:pPr lvl="2"/>
             <a:r>
-              <a:rPr lang="pt-BR" smtClean="0"/>
+              <a:rPr lang="pt-BR"/>
               <a:t>Terceiro nível</a:t>
             </a:r>
           </a:p>
           <a:p>
             <a:pPr lvl="3"/>
             <a:r>
-              <a:rPr lang="pt-BR" smtClean="0"/>
+              <a:rPr lang="pt-BR"/>
               <a:t>Quarto nível</a:t>
             </a:r>
           </a:p>
           <a:p>
             <a:pPr lvl="4"/>
             <a:r>
-              <a:rPr lang="pt-BR" smtClean="0"/>
+              <a:rPr lang="pt-BR"/>
               <a:t>Quinto nível</a:t>
             </a:r>
             <a:endParaRPr lang="en-US" dirty="0"/>
@@ -3586,7 +3591,7 @@
           <a:p>
             <a:fld id="{4509A250-FF31-4206-8172-F9D3106AACB1}" type="datetimeFigureOut">
               <a:rPr lang="en-US" smtClean="0"/>
-              <a:t>10/29/2019</a:t>
+              <a:t>11/5/2019</a:t>
             </a:fld>
             <a:endParaRPr lang="en-US" dirty="0"/>
           </a:p>
@@ -3741,7 +3746,7 @@
           <a:ln/>
           <a:extLst>
             <a:ext uri="{91240B29-F687-4f45-9708-019B960494DF}">
-              <a14:hiddenLine xmlns:a14="http://schemas.microsoft.com/office/drawing/2010/main" xmlns="" w="9525">
+              <a14:hiddenLine xmlns="" xmlns:a14="http://schemas.microsoft.com/office/drawing/2010/main" w="9525">
                 <a:solidFill>
                   <a:srgbClr val="000000"/>
                 </a:solidFill>
@@ -3783,7 +3788,7 @@
           <a:lstStyle/>
           <a:p>
             <a:r>
-              <a:rPr lang="pt-BR" smtClean="0"/>
+              <a:rPr lang="pt-BR"/>
               <a:t>Clique para editar o título mestre</a:t>
             </a:r>
             <a:endParaRPr lang="en-US" dirty="0"/>
@@ -3807,7 +3812,7 @@
           <a:p>
             <a:fld id="{4509A250-FF31-4206-8172-F9D3106AACB1}" type="datetimeFigureOut">
               <a:rPr lang="en-US" smtClean="0"/>
-              <a:t>10/29/2019</a:t>
+              <a:t>11/5/2019</a:t>
             </a:fld>
             <a:endParaRPr lang="en-US" dirty="0"/>
           </a:p>
@@ -3902,7 +3907,7 @@
           <a:p>
             <a:fld id="{4509A250-FF31-4206-8172-F9D3106AACB1}" type="datetimeFigureOut">
               <a:rPr lang="en-US" smtClean="0"/>
-              <a:t>10/29/2019</a:t>
+              <a:t>11/5/2019</a:t>
             </a:fld>
             <a:endParaRPr lang="en-US" dirty="0"/>
           </a:p>
@@ -4170,7 +4175,7 @@
           <a:ln/>
           <a:extLst>
             <a:ext uri="{91240B29-F687-4f45-9708-019B960494DF}">
-              <a14:hiddenLine xmlns:a14="http://schemas.microsoft.com/office/drawing/2010/main" xmlns="" w="9525">
+              <a14:hiddenLine xmlns="" xmlns:a14="http://schemas.microsoft.com/office/drawing/2010/main" w="9525">
                 <a:solidFill>
                   <a:srgbClr val="000000"/>
                 </a:solidFill>
@@ -4221,7 +4226,7 @@
           </a:lstStyle>
           <a:p>
             <a:r>
-              <a:rPr lang="pt-BR" smtClean="0"/>
+              <a:rPr lang="pt-BR"/>
               <a:t>Clique para editar o título mestre</a:t>
             </a:r>
             <a:endParaRPr lang="en-US" dirty="0"/>
@@ -4252,35 +4257,35 @@
           <a:p>
             <a:pPr lvl="0"/>
             <a:r>
-              <a:rPr lang="pt-BR" smtClean="0"/>
+              <a:rPr lang="pt-BR"/>
               <a:t>Clique para editar o texto mestre</a:t>
             </a:r>
           </a:p>
           <a:p>
             <a:pPr lvl="1"/>
             <a:r>
-              <a:rPr lang="pt-BR" smtClean="0"/>
+              <a:rPr lang="pt-BR"/>
               <a:t>Segundo nível</a:t>
             </a:r>
           </a:p>
           <a:p>
             <a:pPr lvl="2"/>
             <a:r>
-              <a:rPr lang="pt-BR" smtClean="0"/>
+              <a:rPr lang="pt-BR"/>
               <a:t>Terceiro nível</a:t>
             </a:r>
           </a:p>
           <a:p>
             <a:pPr lvl="3"/>
             <a:r>
-              <a:rPr lang="pt-BR" smtClean="0"/>
+              <a:rPr lang="pt-BR"/>
               <a:t>Quarto nível</a:t>
             </a:r>
           </a:p>
           <a:p>
             <a:pPr lvl="4"/>
             <a:r>
-              <a:rPr lang="pt-BR" smtClean="0"/>
+              <a:rPr lang="pt-BR"/>
               <a:t>Quinto nível</a:t>
             </a:r>
             <a:endParaRPr lang="en-US" dirty="0"/>
@@ -4346,7 +4351,7 @@
           <a:p>
             <a:pPr lvl="0"/>
             <a:r>
-              <a:rPr lang="pt-BR" smtClean="0"/>
+              <a:rPr lang="pt-BR"/>
               <a:t>Clique para editar o texto mestre</a:t>
             </a:r>
           </a:p>
@@ -4369,7 +4374,7 @@
           <a:p>
             <a:fld id="{4509A250-FF31-4206-8172-F9D3106AACB1}" type="datetimeFigureOut">
               <a:rPr lang="en-US" smtClean="0"/>
-              <a:t>10/29/2019</a:t>
+              <a:t>11/5/2019</a:t>
             </a:fld>
             <a:endParaRPr lang="en-US" dirty="0"/>
           </a:p>
@@ -4474,7 +4479,7 @@
           </a:lstStyle>
           <a:p>
             <a:r>
-              <a:rPr lang="pt-BR" smtClean="0"/>
+              <a:rPr lang="pt-BR"/>
               <a:t>Clique para editar o título mestre</a:t>
             </a:r>
             <a:endParaRPr lang="en-US" dirty="0"/>
@@ -4586,7 +4591,7 @@
           </a:lstStyle>
           <a:p>
             <a:r>
-              <a:rPr lang="pt-BR" smtClean="0"/>
+              <a:rPr lang="pt-BR"/>
               <a:t>Clique no ícone para adicionar uma imagem</a:t>
             </a:r>
             <a:endParaRPr lang="en-US" dirty="0"/>
@@ -4654,7 +4659,7 @@
           <a:p>
             <a:pPr lvl="0"/>
             <a:r>
-              <a:rPr lang="pt-BR" smtClean="0"/>
+              <a:rPr lang="pt-BR"/>
               <a:t>Clique para editar o texto mestre</a:t>
             </a:r>
           </a:p>
@@ -4682,7 +4687,7 @@
           <a:p>
             <a:fld id="{4509A250-FF31-4206-8172-F9D3106AACB1}" type="datetimeFigureOut">
               <a:rPr lang="en-US" smtClean="0"/>
-              <a:t>10/29/2019</a:t>
+              <a:t>11/5/2019</a:t>
             </a:fld>
             <a:endParaRPr lang="en-US" dirty="0"/>
           </a:p>
@@ -4808,7 +4813,7 @@
           <a:lstStyle/>
           <a:p>
             <a:r>
-              <a:rPr lang="pt-BR" smtClean="0"/>
+              <a:rPr lang="pt-BR"/>
               <a:t>Clique para editar o título mestre</a:t>
             </a:r>
             <a:endParaRPr lang="en-US" dirty="0"/>
@@ -4849,35 +4854,35 @@
           <a:p>
             <a:pPr lvl="0"/>
             <a:r>
-              <a:rPr lang="pt-BR" smtClean="0"/>
+              <a:rPr lang="pt-BR"/>
               <a:t>Clique para editar o texto mestre</a:t>
             </a:r>
           </a:p>
           <a:p>
             <a:pPr lvl="1"/>
             <a:r>
-              <a:rPr lang="pt-BR" smtClean="0"/>
+              <a:rPr lang="pt-BR"/>
               <a:t>Segundo nível</a:t>
             </a:r>
           </a:p>
           <a:p>
             <a:pPr lvl="2"/>
             <a:r>
-              <a:rPr lang="pt-BR" smtClean="0"/>
+              <a:rPr lang="pt-BR"/>
               <a:t>Terceiro nível</a:t>
             </a:r>
           </a:p>
           <a:p>
             <a:pPr lvl="3"/>
             <a:r>
-              <a:rPr lang="pt-BR" smtClean="0"/>
+              <a:rPr lang="pt-BR"/>
               <a:t>Quarto nível</a:t>
             </a:r>
           </a:p>
           <a:p>
             <a:pPr lvl="4"/>
             <a:r>
-              <a:rPr lang="pt-BR" smtClean="0"/>
+              <a:rPr lang="pt-BR"/>
               <a:t>Quinto nível</a:t>
             </a:r>
             <a:endParaRPr lang="en-US" dirty="0"/>
@@ -4952,7 +4957,7 @@
           <a:p>
             <a:fld id="{4509A250-FF31-4206-8172-F9D3106AACB1}" type="datetimeFigureOut">
               <a:rPr lang="en-US" smtClean="0"/>
-              <a:t>10/29/2019</a:t>
+              <a:t>11/5/2019</a:t>
             </a:fld>
             <a:endParaRPr lang="en-US" dirty="0"/>
           </a:p>
@@ -5423,14 +5428,13 @@
           <a:lstStyle/>
           <a:p>
             <a:r>
-              <a:rPr lang="pt-BR" dirty="0" err="1" smtClean="0"/>
+              <a:rPr lang="pt-BR" dirty="0" err="1"/>
               <a:t>Podio</a:t>
             </a:r>
             <a:r>
-              <a:rPr lang="pt-BR" dirty="0" smtClean="0"/>
+              <a:rPr lang="pt-BR" dirty="0"/>
               <a:t>	</a:t>
             </a:r>
-            <a:endParaRPr lang="pt-BR" dirty="0"/>
           </a:p>
         </p:txBody>
       </p:sp>
@@ -5457,10 +5461,9 @@
           <a:lstStyle/>
           <a:p>
             <a:r>
-              <a:rPr lang="pt-BR" sz="3200" dirty="0" smtClean="0"/>
+              <a:rPr lang="pt-BR" sz="3200" dirty="0"/>
               <a:t>Ferramenta para gerenciamento de projetos</a:t>
             </a:r>
-            <a:endParaRPr lang="pt-BR" sz="3200" dirty="0"/>
           </a:p>
         </p:txBody>
       </p:sp>
@@ -5510,55 +5513,43 @@
           <a:lstStyle/>
           <a:p>
             <a:r>
-              <a:rPr lang="pt-BR" dirty="0" smtClean="0"/>
+              <a:rPr lang="pt-BR" dirty="0"/>
               <a:t>Usando o </a:t>
-            </a:r>
-            <a:r>
-              <a:rPr lang="pt-BR" dirty="0" err="1" smtClean="0"/>
-              <a:t>Podio</a:t>
-            </a:r>
-            <a:endParaRPr lang="pt-BR" dirty="0"/>
-          </a:p>
-        </p:txBody>
-      </p:sp>
-      <p:sp>
-        <p:nvSpPr>
-          <p:cNvPr id="3" name="Espaço Reservado para Conteúdo 2"/>
-          <p:cNvSpPr>
-            <a:spLocks noGrp="1"/>
-          </p:cNvSpPr>
-          <p:nvPr>
-            <p:ph sz="half" idx="1"/>
-          </p:nvPr>
-        </p:nvSpPr>
-        <p:spPr/>
-        <p:txBody>
-          <a:bodyPr/>
-          <a:lstStyle/>
-          <a:p>
-            <a:r>
-              <a:rPr lang="pt-BR" dirty="0" smtClean="0"/>
-              <a:t>Arquivos: Você </a:t>
-            </a:r>
-            <a:r>
-              <a:rPr lang="pt-BR" dirty="0"/>
-              <a:t>pode adicionar arquivos a quase tudo no </a:t>
             </a:r>
             <a:r>
               <a:rPr lang="pt-BR" dirty="0" err="1"/>
               <a:t>Podio</a:t>
             </a:r>
+            <a:endParaRPr lang="pt-BR" dirty="0"/>
+          </a:p>
+        </p:txBody>
+      </p:sp>
+      <p:sp>
+        <p:nvSpPr>
+          <p:cNvPr id="3" name="Espaço Reservado para Conteúdo 2"/>
+          <p:cNvSpPr>
+            <a:spLocks noGrp="1"/>
+          </p:cNvSpPr>
+          <p:nvPr>
+            <p:ph sz="half" idx="1"/>
+          </p:nvPr>
+        </p:nvSpPr>
+        <p:spPr/>
+        <p:txBody>
+          <a:bodyPr/>
+          <a:lstStyle/>
+          <a:p>
             <a:r>
               <a:rPr lang="pt-BR" dirty="0"/>
-              <a:t>, integrando-se convenientemente a serviços como Google Drive e </a:t>
+              <a:t>Arquivos: Você pode adicionar arquivos de vários formatos no </a:t>
             </a:r>
             <a:r>
               <a:rPr lang="pt-BR" dirty="0" err="1"/>
-              <a:t>Dropbox</a:t>
+              <a:t>Podio</a:t>
             </a:r>
             <a:r>
               <a:rPr lang="pt-BR" dirty="0"/>
-              <a:t>.</a:t>
+              <a:t>, integrando-se a serviços como Google Drive e Dropbox.</a:t>
             </a:r>
           </a:p>
         </p:txBody>
@@ -5638,11 +5629,11 @@
           <a:lstStyle/>
           <a:p>
             <a:r>
-              <a:rPr lang="pt-BR" dirty="0" smtClean="0"/>
+              <a:rPr lang="pt-BR" dirty="0"/>
               <a:t>Usando o </a:t>
             </a:r>
             <a:r>
-              <a:rPr lang="pt-BR" dirty="0" err="1" smtClean="0"/>
+              <a:rPr lang="pt-BR" dirty="0" err="1"/>
               <a:t>Podio</a:t>
             </a:r>
             <a:endParaRPr lang="pt-BR" dirty="0"/>
@@ -5665,12 +5656,8 @@
           <a:lstStyle/>
           <a:p>
             <a:r>
-              <a:rPr lang="pt-BR" dirty="0" smtClean="0"/>
-              <a:t>Relação: Todo </a:t>
-            </a:r>
-            <a:r>
               <a:rPr lang="pt-BR" dirty="0"/>
-              <a:t>projeto é </a:t>
+              <a:t>Relação: Todo projeto é </a:t>
             </a:r>
             <a:r>
               <a:rPr lang="pt-BR" b="1" dirty="0"/>
@@ -5680,7 +5667,6 @@
               <a:rPr lang="pt-BR" dirty="0"/>
               <a:t> a um cliente, o que torna fácil para Jenny procurar por comunicados passados e resultados relativos ao seu cliente atual.</a:t>
             </a:r>
-            <a:endParaRPr lang="pt-BR" dirty="0"/>
           </a:p>
         </p:txBody>
       </p:sp>
@@ -5759,11 +5745,11 @@
           <a:lstStyle/>
           <a:p>
             <a:r>
-              <a:rPr lang="pt-BR" dirty="0" smtClean="0"/>
+              <a:rPr lang="pt-BR" dirty="0"/>
               <a:t>Usando o </a:t>
             </a:r>
             <a:r>
-              <a:rPr lang="pt-BR" dirty="0" err="1" smtClean="0"/>
+              <a:rPr lang="pt-BR" dirty="0" err="1"/>
               <a:t>Podio</a:t>
             </a:r>
             <a:endParaRPr lang="pt-BR" dirty="0"/>
@@ -5786,12 +5772,8 @@
           <a:lstStyle/>
           <a:p>
             <a:r>
-              <a:rPr lang="pt-BR" dirty="0" smtClean="0"/>
-              <a:t>Área de trabalho: Jenny </a:t>
-            </a:r>
-            <a:r>
               <a:rPr lang="pt-BR" dirty="0"/>
-              <a:t>usa o </a:t>
+              <a:t>Área de trabalho: Jenny usa o </a:t>
             </a:r>
             <a:r>
               <a:rPr lang="pt-BR" b="1" dirty="0"/>
@@ -5801,7 +5783,6 @@
               <a:rPr lang="pt-BR" dirty="0"/>
               <a:t> para obter uma visão geral rápida sobre o desempenho da sua equipe. Ele mostra as últimas atualizações, os trabalhos em andamento e destaca as tarefas atrasadas.</a:t>
             </a:r>
-            <a:endParaRPr lang="pt-BR" dirty="0"/>
           </a:p>
         </p:txBody>
       </p:sp>
@@ -5880,11 +5861,11 @@
           <a:lstStyle/>
           <a:p>
             <a:r>
-              <a:rPr lang="pt-BR" dirty="0" smtClean="0"/>
+              <a:rPr lang="pt-BR" dirty="0"/>
               <a:t>Usando o </a:t>
             </a:r>
             <a:r>
-              <a:rPr lang="pt-BR" dirty="0" err="1" smtClean="0"/>
+              <a:rPr lang="pt-BR" dirty="0" err="1"/>
               <a:t>Podio</a:t>
             </a:r>
             <a:endParaRPr lang="pt-BR" dirty="0"/>
@@ -5918,7 +5899,6 @@
               <a:rPr lang="pt-BR" dirty="0"/>
               <a:t> para perguntar o que está impedindo sua conclusão.</a:t>
             </a:r>
-            <a:endParaRPr lang="pt-BR" dirty="0"/>
           </a:p>
         </p:txBody>
       </p:sp>
@@ -5997,11 +5977,11 @@
           <a:lstStyle/>
           <a:p>
             <a:r>
-              <a:rPr lang="pt-BR" dirty="0" smtClean="0"/>
+              <a:rPr lang="pt-BR" dirty="0"/>
               <a:t>Usando o </a:t>
             </a:r>
             <a:r>
-              <a:rPr lang="pt-BR" dirty="0" err="1" smtClean="0"/>
+              <a:rPr lang="pt-BR" dirty="0" err="1"/>
               <a:t>Podio</a:t>
             </a:r>
             <a:endParaRPr lang="pt-BR" dirty="0"/>
@@ -6024,12 +6004,8 @@
           <a:lstStyle/>
           <a:p>
             <a:r>
-              <a:rPr lang="pt-BR" dirty="0" smtClean="0"/>
-              <a:t>Pode solicitar que outro membro possa fazer a entrega, Jenny </a:t>
-            </a:r>
-            <a:r>
               <a:rPr lang="pt-BR" dirty="0"/>
-              <a:t>pode </a:t>
+              <a:t>Pode solicitar que outro membro possa fazer a entrega, Jenny pode </a:t>
             </a:r>
             <a:r>
               <a:rPr lang="pt-BR" b="1" dirty="0"/>
@@ -6037,13 +6013,8 @@
             </a:r>
             <a:r>
               <a:rPr lang="pt-BR" dirty="0"/>
-              <a:t> para o seu colega, James, bem na entrega atrasada, para que ele saiba qual é a tarefa em questão</a:t>
-            </a:r>
-            <a:r>
-              <a:rPr lang="pt-BR" dirty="0" smtClean="0"/>
-              <a:t>.</a:t>
-            </a:r>
-            <a:endParaRPr lang="pt-BR" dirty="0"/>
+              <a:t> para o seu colega, James, bem na entrega atrasada, para que ele saiba qual é a tarefa em questão.</a:t>
+            </a:r>
           </a:p>
         </p:txBody>
       </p:sp>
@@ -6122,11 +6093,11 @@
           <a:lstStyle/>
           <a:p>
             <a:r>
-              <a:rPr lang="pt-BR" dirty="0" smtClean="0"/>
+              <a:rPr lang="pt-BR" dirty="0"/>
               <a:t>Usando o </a:t>
             </a:r>
             <a:r>
-              <a:rPr lang="pt-BR" dirty="0" err="1" smtClean="0"/>
+              <a:rPr lang="pt-BR" dirty="0" err="1"/>
               <a:t>Podio</a:t>
             </a:r>
             <a:endParaRPr lang="pt-BR" dirty="0"/>
@@ -6148,10 +6119,6 @@
           <a:bodyPr/>
           <a:lstStyle/>
           <a:p>
-            <a:r>
-              <a:rPr lang="pt-BR" dirty="0"/>
-              <a:t/>
-            </a:r>
             <a:br>
               <a:rPr lang="pt-BR" dirty="0"/>
             </a:br>
@@ -6171,7 +6138,6 @@
               <a:rPr lang="pt-BR" dirty="0"/>
               <a:t>, James será notificado sobre sua nova tarefa imediatamente. A entrega em questão está conectada a ela, para que Jenny seja notificada automaticamente e possa conferi-la quando a tarefa for concluída.</a:t>
             </a:r>
-            <a:endParaRPr lang="pt-BR" dirty="0"/>
           </a:p>
         </p:txBody>
       </p:sp>
@@ -6250,11 +6216,11 @@
           <a:lstStyle/>
           <a:p>
             <a:r>
-              <a:rPr lang="pt-BR" dirty="0" smtClean="0"/>
+              <a:rPr lang="pt-BR" dirty="0"/>
               <a:t>Usando o </a:t>
             </a:r>
             <a:r>
-              <a:rPr lang="pt-BR" dirty="0" err="1" smtClean="0"/>
+              <a:rPr lang="pt-BR" dirty="0" err="1"/>
               <a:t>Podio</a:t>
             </a:r>
             <a:endParaRPr lang="pt-BR" dirty="0"/>
@@ -6286,13 +6252,8 @@
             </a:r>
             <a:r>
               <a:rPr lang="pt-BR" dirty="0"/>
-              <a:t> as entregas por responsável </a:t>
-            </a:r>
-            <a:r>
-              <a:rPr lang="pt-BR" dirty="0" smtClean="0"/>
-              <a:t>na aba de Entregas.</a:t>
-            </a:r>
-            <a:endParaRPr lang="pt-BR" dirty="0"/>
+              <a:t> as entregas por responsável na aba de Entregas.</a:t>
+            </a:r>
           </a:p>
         </p:txBody>
       </p:sp>
@@ -6453,11 +6414,11 @@
           <a:lstStyle/>
           <a:p>
             <a:r>
-              <a:rPr lang="pt-BR" dirty="0" smtClean="0"/>
+              <a:rPr lang="pt-BR" dirty="0"/>
               <a:t>Usando o </a:t>
             </a:r>
             <a:r>
-              <a:rPr lang="pt-BR" dirty="0" err="1" smtClean="0"/>
+              <a:rPr lang="pt-BR" dirty="0" err="1"/>
               <a:t>Podio</a:t>
             </a:r>
             <a:endParaRPr lang="pt-BR" dirty="0"/>
@@ -6483,7 +6444,6 @@
               <a:rPr lang="pt-BR" dirty="0"/>
               <a:t>Quando o projeto é concluído, todo o trabalho e a comunicação fica armazenada como referência. Com o armazenamento ilimitado, você nunca ficará sem espaço.</a:t>
             </a:r>
-            <a:endParaRPr lang="pt-BR" dirty="0"/>
           </a:p>
         </p:txBody>
       </p:sp>
@@ -6562,10 +6522,9 @@
           <a:lstStyle/>
           <a:p>
             <a:r>
-              <a:rPr lang="pt-BR" dirty="0" smtClean="0"/>
+              <a:rPr lang="pt-BR" dirty="0"/>
               <a:t>Empresas que usam a ferramenta</a:t>
             </a:r>
-            <a:endParaRPr lang="pt-BR" dirty="0"/>
           </a:p>
         </p:txBody>
       </p:sp>
@@ -6644,61 +6603,59 @@
           <a:lstStyle/>
           <a:p>
             <a:r>
-              <a:rPr lang="pt-BR" dirty="0" err="1" smtClean="0"/>
+              <a:rPr lang="pt-BR" dirty="0" err="1"/>
               <a:t>Podio</a:t>
             </a:r>
             <a:r>
-              <a:rPr lang="pt-BR" dirty="0" smtClean="0"/>
+              <a:rPr lang="pt-BR" dirty="0"/>
               <a:t> trabalha com você da maneira que você quiser!</a:t>
             </a:r>
+          </a:p>
+        </p:txBody>
+      </p:sp>
+      <p:sp>
+        <p:nvSpPr>
+          <p:cNvPr id="3" name="Espaço Reservado para Conteúdo 2"/>
+          <p:cNvSpPr>
+            <a:spLocks noGrp="1"/>
+          </p:cNvSpPr>
+          <p:nvPr>
+            <p:ph idx="1"/>
+          </p:nvPr>
+        </p:nvSpPr>
+        <p:spPr/>
+        <p:txBody>
+          <a:bodyPr/>
+          <a:lstStyle/>
+          <a:p>
+            <a:r>
+              <a:rPr lang="pt-BR" dirty="0"/>
+              <a:t>Desde a estruturação de um projeto até organizar sua equipe. O </a:t>
+            </a:r>
+            <a:r>
+              <a:rPr lang="pt-BR" dirty="0" err="1"/>
+              <a:t>Podio</a:t>
+            </a:r>
+            <a:r>
+              <a:rPr lang="pt-BR" dirty="0"/>
+              <a:t> pode lhe ajudar a concluir as tarefas ou crescer com você para centralizar todo o trabalho em um único lugar.</a:t>
+            </a:r>
+          </a:p>
+          <a:p>
+            <a:pPr marL="0" indent="0">
+              <a:buNone/>
+            </a:pPr>
             <a:endParaRPr lang="pt-BR" dirty="0"/>
           </a:p>
-        </p:txBody>
-      </p:sp>
-      <p:sp>
-        <p:nvSpPr>
-          <p:cNvPr id="3" name="Espaço Reservado para Conteúdo 2"/>
-          <p:cNvSpPr>
-            <a:spLocks noGrp="1"/>
-          </p:cNvSpPr>
-          <p:nvPr>
-            <p:ph idx="1"/>
-          </p:nvPr>
-        </p:nvSpPr>
-        <p:spPr/>
-        <p:txBody>
-          <a:bodyPr/>
-          <a:lstStyle/>
-          <a:p>
-            <a:r>
-              <a:rPr lang="pt-BR" dirty="0" smtClean="0"/>
-              <a:t>Desde a estruturação de um projeto até organizar sua equipe. O </a:t>
-            </a:r>
-            <a:r>
-              <a:rPr lang="pt-BR" dirty="0" err="1" smtClean="0"/>
+          <a:p>
+            <a:r>
+              <a:rPr lang="pt-BR" dirty="0" err="1"/>
               <a:t>Podio</a:t>
             </a:r>
             <a:r>
-              <a:rPr lang="pt-BR" dirty="0" smtClean="0"/>
-              <a:t> pode lhe ajudar a concluir as tarefas ou crescer com você para centralizar todo o trabalho em um único lugar.</a:t>
-            </a:r>
-          </a:p>
-          <a:p>
-            <a:pPr marL="0" indent="0">
-              <a:buNone/>
-            </a:pPr>
-            <a:endParaRPr lang="pt-BR" dirty="0" smtClean="0"/>
-          </a:p>
-          <a:p>
-            <a:r>
-              <a:rPr lang="pt-BR" dirty="0" err="1" smtClean="0"/>
-              <a:t>Podio</a:t>
-            </a:r>
-            <a:r>
-              <a:rPr lang="pt-BR" dirty="0" smtClean="0"/>
+              <a:rPr lang="pt-BR" dirty="0"/>
               <a:t> pode ser usado como Gerenciamento de projetos, CRM, Intranet Social, Planejamento e Desenvolvimento de produtos, Gerenciamento de fluxo de trabalho, Colaboração, Gerenciamento de equipes entre outras funcionalidades.</a:t>
             </a:r>
-            <a:endParaRPr lang="pt-BR" dirty="0"/>
           </a:p>
         </p:txBody>
       </p:sp>
@@ -6748,10 +6705,9 @@
           <a:lstStyle/>
           <a:p>
             <a:r>
-              <a:rPr lang="pt-BR" dirty="0" smtClean="0"/>
+              <a:rPr lang="pt-BR" dirty="0"/>
               <a:t>Gerenciamento de Projetos</a:t>
             </a:r>
-            <a:endParaRPr lang="pt-BR" dirty="0"/>
           </a:p>
         </p:txBody>
       </p:sp>
@@ -6780,72 +6736,35 @@
             </a:r>
             <a:r>
               <a:rPr lang="pt-BR" dirty="0"/>
-              <a:t> organiza todos os prazos de entrega, arquivos e conversas do projeto em um único lugar. Você obtém a visão geral necessária sem complicações,‎ enquanto sua equipe se mantém concentrada </a:t>
-            </a:r>
-            <a:r>
-              <a:rPr lang="pt-BR" dirty="0" smtClean="0"/>
-              <a:t>no </a:t>
-            </a:r>
+              <a:t> organiza todos os prazos de entrega, arquivos e conversas do projeto em um único lugar. Você obtém a visão geral necessária sem complicações,‎ enquanto sua equipe se mantém concentrada no trabalho.</a:t>
+            </a:r>
+          </a:p>
+          <a:p>
+            <a:pPr marL="0" indent="0">
+              <a:buNone/>
+            </a:pPr>
+            <a:endParaRPr lang="pt-BR" dirty="0"/>
+          </a:p>
+          <a:p>
             <a:r>
               <a:rPr lang="pt-BR" dirty="0"/>
-              <a:t>trabalho</a:t>
-            </a:r>
-            <a:r>
-              <a:rPr lang="pt-BR" dirty="0" smtClean="0"/>
-              <a:t>.</a:t>
-            </a:r>
-          </a:p>
-          <a:p>
-            <a:pPr marL="0" indent="0">
-              <a:buNone/>
-            </a:pPr>
-            <a:endParaRPr lang="pt-BR" dirty="0" smtClean="0"/>
-          </a:p>
-          <a:p>
-            <a:r>
-              <a:rPr lang="pt-BR" dirty="0" smtClean="0"/>
-              <a:t>Relatórios: </a:t>
-            </a:r>
+              <a:t>Relatórios: É só escolher a visão geral que seja melhor para você e crie relatórios que te mantenham informado do progresso.</a:t>
+            </a:r>
+          </a:p>
+          <a:p>
+            <a:endParaRPr lang="pt-BR" dirty="0"/>
+          </a:p>
+          <a:p>
             <a:r>
               <a:rPr lang="pt-BR" dirty="0"/>
-              <a:t>É </a:t>
-            </a:r>
-            <a:r>
-              <a:rPr lang="pt-BR" dirty="0" smtClean="0"/>
-              <a:t>só escolher </a:t>
+              <a:t>Personalização: </a:t>
+            </a:r>
+            <a:r>
+              <a:rPr lang="pt-BR" dirty="0" err="1"/>
+              <a:t>Podio</a:t>
             </a:r>
             <a:r>
               <a:rPr lang="pt-BR" dirty="0"/>
-              <a:t>a visão geral </a:t>
-            </a:r>
-            <a:r>
-              <a:rPr lang="pt-BR" dirty="0" smtClean="0"/>
-              <a:t>que seja melhor para </a:t>
-            </a:r>
-            <a:r>
-              <a:rPr lang="pt-BR" dirty="0"/>
-              <a:t>você e crie relatórios que te mantenham informado do progresso</a:t>
-            </a:r>
-            <a:r>
-              <a:rPr lang="pt-BR" dirty="0" smtClean="0"/>
-              <a:t>.</a:t>
-            </a:r>
-            <a:endParaRPr lang="pt-BR" dirty="0"/>
-          </a:p>
-          <a:p>
-            <a:endParaRPr lang="pt-BR" dirty="0" smtClean="0"/>
-          </a:p>
-          <a:p>
-            <a:r>
-              <a:rPr lang="pt-BR" dirty="0" smtClean="0"/>
-              <a:t>Personalização: </a:t>
-            </a:r>
-            <a:r>
-              <a:rPr lang="pt-BR" dirty="0" err="1" smtClean="0"/>
-              <a:t>Podio</a:t>
-            </a:r>
-            <a:r>
-              <a:rPr lang="pt-BR" dirty="0" smtClean="0"/>
               <a:t> vem com a promessa de que a ferramenta seja completamente personalizável, para que você não tenha que mudar sua forma de trabalhar para se adaptar ao software.</a:t>
             </a:r>
           </a:p>
@@ -6897,11 +6816,11 @@
           <a:lstStyle/>
           <a:p>
             <a:r>
-              <a:rPr lang="pt-BR" dirty="0" smtClean="0"/>
+              <a:rPr lang="pt-BR" dirty="0"/>
               <a:t>Usando o </a:t>
             </a:r>
             <a:r>
-              <a:rPr lang="pt-BR" dirty="0" err="1" smtClean="0"/>
+              <a:rPr lang="pt-BR" dirty="0" err="1"/>
               <a:t>Podio</a:t>
             </a:r>
             <a:endParaRPr lang="pt-BR" dirty="0"/>
@@ -6924,26 +6843,25 @@
           <a:lstStyle/>
           <a:p>
             <a:r>
-              <a:rPr lang="pt-BR" dirty="0" smtClean="0"/>
+              <a:rPr lang="pt-BR" dirty="0"/>
               <a:t>Exemplo: Jenny, uma gerente de projetos, introduziu o </a:t>
             </a:r>
             <a:r>
-              <a:rPr lang="pt-BR" dirty="0" err="1" smtClean="0"/>
+              <a:rPr lang="pt-BR" dirty="0" err="1"/>
               <a:t>Podio</a:t>
             </a:r>
             <a:r>
-              <a:rPr lang="pt-BR" dirty="0" smtClean="0"/>
+              <a:rPr lang="pt-BR" dirty="0"/>
               <a:t> na sua agência de publicidade (vamos chamá-la Acme </a:t>
             </a:r>
             <a:r>
-              <a:rPr lang="pt-BR" dirty="0" err="1" smtClean="0"/>
+              <a:rPr lang="pt-BR" dirty="0" err="1"/>
               <a:t>Inc</a:t>
             </a:r>
             <a:r>
-              <a:rPr lang="pt-BR" dirty="0" smtClean="0"/>
+              <a:rPr lang="pt-BR" dirty="0"/>
               <a:t>).</a:t>
             </a:r>
-            <a:endParaRPr lang="pt-BR" dirty="0"/>
           </a:p>
         </p:txBody>
       </p:sp>
@@ -7022,54 +6940,56 @@
           <a:lstStyle/>
           <a:p>
             <a:r>
-              <a:rPr lang="pt-BR" dirty="0" smtClean="0"/>
+              <a:rPr lang="pt-BR" dirty="0"/>
               <a:t>Usando o </a:t>
             </a:r>
             <a:r>
-              <a:rPr lang="pt-BR" dirty="0" err="1" smtClean="0"/>
+              <a:rPr lang="pt-BR" dirty="0" err="1"/>
               <a:t>Podio</a:t>
             </a:r>
-            <a:r>
-              <a:rPr lang="pt-BR" dirty="0" smtClean="0"/>
-              <a:t>	</a:t>
-            </a:r>
-            <a:endParaRPr lang="pt-BR" dirty="0"/>
-          </a:p>
-        </p:txBody>
-      </p:sp>
-      <p:sp>
-        <p:nvSpPr>
-          <p:cNvPr id="3" name="Espaço Reservado para Conteúdo 2"/>
-          <p:cNvSpPr>
-            <a:spLocks noGrp="1"/>
-          </p:cNvSpPr>
-          <p:nvPr>
-            <p:ph idx="1"/>
-          </p:nvPr>
-        </p:nvSpPr>
-        <p:spPr/>
-        <p:txBody>
-          <a:bodyPr/>
-          <a:lstStyle/>
-          <a:p>
-            <a:r>
-              <a:rPr lang="pt-BR" dirty="0" smtClean="0"/>
-              <a:t>Projetos</a:t>
-            </a:r>
-          </a:p>
-          <a:p>
-            <a:pPr marL="0" indent="0">
-              <a:buNone/>
-            </a:pPr>
             <a:r>
               <a:rPr lang="pt-BR" dirty="0"/>
               <a:t>	</a:t>
             </a:r>
-            <a:r>
-              <a:rPr lang="pt-BR" dirty="0" smtClean="0"/>
-              <a:t>Esta ferramenta define a estrutura de cada projeto e ajuda Jenny a ver rapidamente o 	status e os resultados relacionados. Também lhe dá uma visão geral de outro projetos 	dentro da sua equipe.</a:t>
-            </a:r>
-            <a:endParaRPr lang="pt-BR" dirty="0"/>
+          </a:p>
+        </p:txBody>
+      </p:sp>
+      <p:sp>
+        <p:nvSpPr>
+          <p:cNvPr id="3" name="Espaço Reservado para Conteúdo 2"/>
+          <p:cNvSpPr>
+            <a:spLocks noGrp="1"/>
+          </p:cNvSpPr>
+          <p:nvPr>
+            <p:ph idx="1"/>
+          </p:nvPr>
+        </p:nvSpPr>
+        <p:spPr/>
+        <p:txBody>
+          <a:bodyPr/>
+          <a:lstStyle/>
+          <a:p>
+            <a:r>
+              <a:rPr lang="pt-BR" dirty="0"/>
+              <a:t>Projetos</a:t>
+            </a:r>
+          </a:p>
+          <a:p>
+            <a:pPr marL="0" indent="0">
+              <a:buNone/>
+            </a:pPr>
+            <a:r>
+              <a:rPr lang="pt-BR" dirty="0"/>
+              <a:t>	Nesta parte, Jenny define a estrutura de cada projeto e ajuda a ver rapidamente o 	status e os resultados relacionados. Também lhe dá uma visão geral </a:t>
+            </a:r>
+            <a:r>
+              <a:rPr lang="pt-BR"/>
+              <a:t>de outros </a:t>
+            </a:r>
+            <a:r>
+              <a:rPr lang="pt-BR" dirty="0"/>
+              <a:t>projetos 	dentro da sua equipe.</a:t>
+            </a:r>
           </a:p>
         </p:txBody>
       </p:sp>
@@ -7178,11 +7098,11 @@
           <a:lstStyle/>
           <a:p>
             <a:r>
-              <a:rPr lang="pt-BR" dirty="0" smtClean="0"/>
+              <a:rPr lang="pt-BR" dirty="0"/>
               <a:t>Usando o </a:t>
             </a:r>
             <a:r>
-              <a:rPr lang="pt-BR" dirty="0" err="1" smtClean="0"/>
+              <a:rPr lang="pt-BR" dirty="0" err="1"/>
               <a:t>Podio</a:t>
             </a:r>
             <a:endParaRPr lang="pt-BR" dirty="0"/>
@@ -7205,7 +7125,7 @@
           <a:lstStyle/>
           <a:p>
             <a:r>
-              <a:rPr lang="pt-BR" dirty="0" smtClean="0"/>
+              <a:rPr lang="pt-BR" dirty="0"/>
               <a:t>Entregas</a:t>
             </a:r>
           </a:p>
@@ -7215,29 +7135,8 @@
             </a:pPr>
             <a:r>
               <a:rPr lang="pt-BR" dirty="0"/>
-              <a:t>	</a:t>
-            </a:r>
-            <a:r>
-              <a:rPr lang="pt-BR" dirty="0"/>
-              <a:t>Para cada projeto, Jenny divide o trabalho em subprojetos. Isso ajuda que a equipe </a:t>
-            </a:r>
-            <a:r>
-              <a:rPr lang="pt-BR" dirty="0" smtClean="0"/>
-              <a:t>	mantenha </a:t>
-            </a:r>
-            <a:r>
-              <a:rPr lang="pt-BR" dirty="0"/>
-              <a:t>o controle de cada tarefa individual e ao mesmo tempo permite que </a:t>
-            </a:r>
-            <a:r>
-              <a:rPr lang="pt-BR" dirty="0" smtClean="0"/>
-              <a:t>Jenny 	tenha </a:t>
-            </a:r>
-            <a:r>
-              <a:rPr lang="pt-BR" dirty="0"/>
-              <a:t>uma visão completa do trabalho.</a:t>
-            </a:r>
-            <a:endParaRPr lang="pt-BR" dirty="0"/>
+              <a:t>	Para cada projeto, Jenny divide o trabalho em subprojetos. Isso ajuda que a equipe 	mantenha o controle de cada tarefa individual e ao mesmo tempo permite que Jenny 	tenha uma visão completa do trabalho.</a:t>
+            </a:r>
           </a:p>
         </p:txBody>
       </p:sp>
@@ -7347,11 +7246,11 @@
           <a:lstStyle/>
           <a:p>
             <a:r>
-              <a:rPr lang="pt-BR" dirty="0" smtClean="0"/>
+              <a:rPr lang="pt-BR" dirty="0"/>
               <a:t>Usando o </a:t>
             </a:r>
             <a:r>
-              <a:rPr lang="pt-BR" dirty="0" err="1" smtClean="0"/>
+              <a:rPr lang="pt-BR" dirty="0" err="1"/>
               <a:t>Podio</a:t>
             </a:r>
             <a:endParaRPr lang="pt-BR" dirty="0"/>
@@ -7374,7 +7273,7 @@
           <a:lstStyle/>
           <a:p>
             <a:r>
-              <a:rPr lang="pt-BR" dirty="0" smtClean="0"/>
+              <a:rPr lang="pt-BR" dirty="0"/>
               <a:t>Reuniões:</a:t>
             </a:r>
           </a:p>
@@ -7386,7 +7285,6 @@
               <a:rPr lang="pt-BR" dirty="0"/>
               <a:t>As reuniões de Jenny são automaticamente adicionadas ao seu calendário e incluem a localização, a hora e a programação‎ do dia. Podem estar vinculadas a entregas ou projetos para que o material relevante esteja sempre a um clique.</a:t>
             </a:r>
-            <a:endParaRPr lang="pt-BR" dirty="0"/>
           </a:p>
         </p:txBody>
       </p:sp>
